--- a/blogs/pdl/figures.pptx
+++ b/blogs/pdl/figures.pptx
@@ -7,6 +7,7 @@
   <p:sldIdLst>
     <p:sldId id="257" r:id="rId2"/>
     <p:sldId id="258" r:id="rId3"/>
+    <p:sldId id="259" r:id="rId4"/>
   </p:sldIdLst>
   <p:sldSz cx="12192000" cy="6858000"/>
   <p:notesSz cx="6858000" cy="9144000"/>
@@ -262,7 +263,7 @@
           <a:p>
             <a:fld id="{E26B1803-4194-46D6-AEA3-4964FCC4DF47}" type="datetimeFigureOut">
               <a:rPr lang="en-US" smtClean="0"/>
-              <a:t>6/22/2025</a:t>
+              <a:t>6/23/2025</a:t>
             </a:fld>
             <a:endParaRPr lang="en-US"/>
           </a:p>
@@ -462,7 +463,7 @@
           <a:p>
             <a:fld id="{E26B1803-4194-46D6-AEA3-4964FCC4DF47}" type="datetimeFigureOut">
               <a:rPr lang="en-US" smtClean="0"/>
-              <a:t>6/22/2025</a:t>
+              <a:t>6/23/2025</a:t>
             </a:fld>
             <a:endParaRPr lang="en-US"/>
           </a:p>
@@ -672,7 +673,7 @@
           <a:p>
             <a:fld id="{E26B1803-4194-46D6-AEA3-4964FCC4DF47}" type="datetimeFigureOut">
               <a:rPr lang="en-US" smtClean="0"/>
-              <a:t>6/22/2025</a:t>
+              <a:t>6/23/2025</a:t>
             </a:fld>
             <a:endParaRPr lang="en-US"/>
           </a:p>
@@ -872,7 +873,7 @@
           <a:p>
             <a:fld id="{E26B1803-4194-46D6-AEA3-4964FCC4DF47}" type="datetimeFigureOut">
               <a:rPr lang="en-US" smtClean="0"/>
-              <a:t>6/22/2025</a:t>
+              <a:t>6/23/2025</a:t>
             </a:fld>
             <a:endParaRPr lang="en-US"/>
           </a:p>
@@ -1148,7 +1149,7 @@
           <a:p>
             <a:fld id="{E26B1803-4194-46D6-AEA3-4964FCC4DF47}" type="datetimeFigureOut">
               <a:rPr lang="en-US" smtClean="0"/>
-              <a:t>6/22/2025</a:t>
+              <a:t>6/23/2025</a:t>
             </a:fld>
             <a:endParaRPr lang="en-US"/>
           </a:p>
@@ -1416,7 +1417,7 @@
           <a:p>
             <a:fld id="{E26B1803-4194-46D6-AEA3-4964FCC4DF47}" type="datetimeFigureOut">
               <a:rPr lang="en-US" smtClean="0"/>
-              <a:t>6/22/2025</a:t>
+              <a:t>6/23/2025</a:t>
             </a:fld>
             <a:endParaRPr lang="en-US"/>
           </a:p>
@@ -1831,7 +1832,7 @@
           <a:p>
             <a:fld id="{E26B1803-4194-46D6-AEA3-4964FCC4DF47}" type="datetimeFigureOut">
               <a:rPr lang="en-US" smtClean="0"/>
-              <a:t>6/22/2025</a:t>
+              <a:t>6/23/2025</a:t>
             </a:fld>
             <a:endParaRPr lang="en-US"/>
           </a:p>
@@ -1973,7 +1974,7 @@
           <a:p>
             <a:fld id="{E26B1803-4194-46D6-AEA3-4964FCC4DF47}" type="datetimeFigureOut">
               <a:rPr lang="en-US" smtClean="0"/>
-              <a:t>6/22/2025</a:t>
+              <a:t>6/23/2025</a:t>
             </a:fld>
             <a:endParaRPr lang="en-US"/>
           </a:p>
@@ -2086,7 +2087,7 @@
           <a:p>
             <a:fld id="{E26B1803-4194-46D6-AEA3-4964FCC4DF47}" type="datetimeFigureOut">
               <a:rPr lang="en-US" smtClean="0"/>
-              <a:t>6/22/2025</a:t>
+              <a:t>6/23/2025</a:t>
             </a:fld>
             <a:endParaRPr lang="en-US"/>
           </a:p>
@@ -2399,7 +2400,7 @@
           <a:p>
             <a:fld id="{E26B1803-4194-46D6-AEA3-4964FCC4DF47}" type="datetimeFigureOut">
               <a:rPr lang="en-US" smtClean="0"/>
-              <a:t>6/22/2025</a:t>
+              <a:t>6/23/2025</a:t>
             </a:fld>
             <a:endParaRPr lang="en-US"/>
           </a:p>
@@ -2688,7 +2689,7 @@
           <a:p>
             <a:fld id="{E26B1803-4194-46D6-AEA3-4964FCC4DF47}" type="datetimeFigureOut">
               <a:rPr lang="en-US" smtClean="0"/>
-              <a:t>6/22/2025</a:t>
+              <a:t>6/23/2025</a:t>
             </a:fld>
             <a:endParaRPr lang="en-US"/>
           </a:p>
@@ -2931,7 +2932,7 @@
           <a:p>
             <a:fld id="{E26B1803-4194-46D6-AEA3-4964FCC4DF47}" type="datetimeFigureOut">
               <a:rPr lang="en-US" smtClean="0"/>
-              <a:t>6/22/2025</a:t>
+              <a:t>6/23/2025</a:t>
             </a:fld>
             <a:endParaRPr lang="en-US"/>
           </a:p>
@@ -6436,6 +6437,273 @@
 </p:sld>
 </file>
 
+<file path=ppt/slides/slide3.xml><?xml version="1.0" encoding="utf-8"?>
+<p:sld xmlns:a="http://schemas.openxmlformats.org/drawingml/2006/main" xmlns:r="http://schemas.openxmlformats.org/officeDocument/2006/relationships" xmlns:p="http://schemas.openxmlformats.org/presentationml/2006/main">
+  <p:cSld>
+    <p:spTree>
+      <p:nvGrpSpPr>
+        <p:cNvPr id="1" name=""/>
+        <p:cNvGrpSpPr/>
+        <p:nvPr/>
+      </p:nvGrpSpPr>
+      <p:grpSpPr>
+        <a:xfrm>
+          <a:off x="0" y="0"/>
+          <a:ext cx="0" cy="0"/>
+          <a:chOff x="0" y="0"/>
+          <a:chExt cx="0" cy="0"/>
+        </a:xfrm>
+      </p:grpSpPr>
+      <p:pic>
+        <p:nvPicPr>
+          <p:cNvPr id="3" name="图片 2">
+            <a:extLst>
+              <a:ext uri="{FF2B5EF4-FFF2-40B4-BE49-F238E27FC236}">
+                <a16:creationId xmlns:a16="http://schemas.microsoft.com/office/drawing/2014/main" id="{6B89C965-F143-9DFB-2E6B-517A970E81C7}"/>
+              </a:ext>
+            </a:extLst>
+          </p:cNvPr>
+          <p:cNvPicPr>
+            <a:picLocks noChangeAspect="1"/>
+          </p:cNvPicPr>
+          <p:nvPr/>
+        </p:nvPicPr>
+        <p:blipFill>
+          <a:blip r:embed="rId2">
+            <a:extLst>
+              <a:ext uri="{28A0092B-C50C-407E-A947-70E740481C1C}">
+                <a14:useLocalDpi xmlns:a14="http://schemas.microsoft.com/office/drawing/2010/main" val="0"/>
+              </a:ext>
+            </a:extLst>
+          </a:blip>
+          <a:stretch>
+            <a:fillRect/>
+          </a:stretch>
+        </p:blipFill>
+        <p:spPr>
+          <a:xfrm>
+            <a:off x="0" y="2891254"/>
+            <a:ext cx="12192000" cy="1075492"/>
+          </a:xfrm>
+          <a:prstGeom prst="rect">
+            <a:avLst/>
+          </a:prstGeom>
+        </p:spPr>
+      </p:pic>
+      <p:cxnSp>
+        <p:nvCxnSpPr>
+          <p:cNvPr id="5" name="直接连接符 4">
+            <a:extLst>
+              <a:ext uri="{FF2B5EF4-FFF2-40B4-BE49-F238E27FC236}">
+                <a16:creationId xmlns:a16="http://schemas.microsoft.com/office/drawing/2014/main" id="{CB4141CF-34A6-B8C5-F6E1-30F78DBB5985}"/>
+              </a:ext>
+            </a:extLst>
+          </p:cNvPr>
+          <p:cNvCxnSpPr/>
+          <p:nvPr/>
+        </p:nvCxnSpPr>
+        <p:spPr>
+          <a:xfrm>
+            <a:off x="3099335" y="2891254"/>
+            <a:ext cx="0" cy="1078030"/>
+          </a:xfrm>
+          <a:prstGeom prst="line">
+            <a:avLst/>
+          </a:prstGeom>
+          <a:ln w="38100">
+            <a:solidFill>
+              <a:srgbClr val="FF0000"/>
+            </a:solidFill>
+          </a:ln>
+        </p:spPr>
+        <p:style>
+          <a:lnRef idx="2">
+            <a:schemeClr val="accent1"/>
+          </a:lnRef>
+          <a:fillRef idx="0">
+            <a:schemeClr val="accent1"/>
+          </a:fillRef>
+          <a:effectRef idx="1">
+            <a:schemeClr val="accent1"/>
+          </a:effectRef>
+          <a:fontRef idx="minor">
+            <a:schemeClr val="tx1"/>
+          </a:fontRef>
+        </p:style>
+      </p:cxnSp>
+      <p:cxnSp>
+        <p:nvCxnSpPr>
+          <p:cNvPr id="6" name="直接连接符 5">
+            <a:extLst>
+              <a:ext uri="{FF2B5EF4-FFF2-40B4-BE49-F238E27FC236}">
+                <a16:creationId xmlns:a16="http://schemas.microsoft.com/office/drawing/2014/main" id="{A2B15558-7121-CF95-59BB-364C09FDF07C}"/>
+              </a:ext>
+            </a:extLst>
+          </p:cNvPr>
+          <p:cNvCxnSpPr/>
+          <p:nvPr/>
+        </p:nvCxnSpPr>
+        <p:spPr>
+          <a:xfrm>
+            <a:off x="7147874" y="2891254"/>
+            <a:ext cx="0" cy="1078030"/>
+          </a:xfrm>
+          <a:prstGeom prst="line">
+            <a:avLst/>
+          </a:prstGeom>
+          <a:ln w="38100">
+            <a:solidFill>
+              <a:srgbClr val="FF0000"/>
+            </a:solidFill>
+          </a:ln>
+        </p:spPr>
+        <p:style>
+          <a:lnRef idx="2">
+            <a:schemeClr val="accent1"/>
+          </a:lnRef>
+          <a:fillRef idx="0">
+            <a:schemeClr val="accent1"/>
+          </a:fillRef>
+          <a:effectRef idx="1">
+            <a:schemeClr val="accent1"/>
+          </a:effectRef>
+          <a:fontRef idx="minor">
+            <a:schemeClr val="tx1"/>
+          </a:fontRef>
+        </p:style>
+      </p:cxnSp>
+      <p:cxnSp>
+        <p:nvCxnSpPr>
+          <p:cNvPr id="7" name="直接连接符 6">
+            <a:extLst>
+              <a:ext uri="{FF2B5EF4-FFF2-40B4-BE49-F238E27FC236}">
+                <a16:creationId xmlns:a16="http://schemas.microsoft.com/office/drawing/2014/main" id="{76D6E341-C7A2-0354-EDC2-6C81A17F9488}"/>
+              </a:ext>
+            </a:extLst>
+          </p:cNvPr>
+          <p:cNvCxnSpPr/>
+          <p:nvPr/>
+        </p:nvCxnSpPr>
+        <p:spPr>
+          <a:xfrm>
+            <a:off x="12006121" y="2891254"/>
+            <a:ext cx="0" cy="1078030"/>
+          </a:xfrm>
+          <a:prstGeom prst="line">
+            <a:avLst/>
+          </a:prstGeom>
+          <a:ln w="38100">
+            <a:solidFill>
+              <a:srgbClr val="FF0000"/>
+            </a:solidFill>
+          </a:ln>
+        </p:spPr>
+        <p:style>
+          <a:lnRef idx="2">
+            <a:schemeClr val="accent1"/>
+          </a:lnRef>
+          <a:fillRef idx="0">
+            <a:schemeClr val="accent1"/>
+          </a:fillRef>
+          <a:effectRef idx="1">
+            <a:schemeClr val="accent1"/>
+          </a:effectRef>
+          <a:fontRef idx="minor">
+            <a:schemeClr val="tx1"/>
+          </a:fontRef>
+        </p:style>
+      </p:cxnSp>
+      <p:sp>
+        <p:nvSpPr>
+          <p:cNvPr id="8" name="文本框 7">
+            <a:extLst>
+              <a:ext uri="{FF2B5EF4-FFF2-40B4-BE49-F238E27FC236}">
+                <a16:creationId xmlns:a16="http://schemas.microsoft.com/office/drawing/2014/main" id="{18B6B94C-AE5A-24D4-7F47-04DCAEA27F33}"/>
+              </a:ext>
+            </a:extLst>
+          </p:cNvPr>
+          <p:cNvSpPr txBox="1"/>
+          <p:nvPr/>
+        </p:nvSpPr>
+        <p:spPr>
+          <a:xfrm>
+            <a:off x="4321138" y="3551247"/>
+            <a:ext cx="1407758" cy="461665"/>
+          </a:xfrm>
+          <a:prstGeom prst="rect">
+            <a:avLst/>
+          </a:prstGeom>
+          <a:noFill/>
+        </p:spPr>
+        <p:txBody>
+          <a:bodyPr wrap="none" rtlCol="0">
+            <a:spAutoFit/>
+          </a:bodyPr>
+          <a:lstStyle/>
+          <a:p>
+            <a:r>
+              <a:rPr lang="en-US" sz="2400" dirty="0">
+                <a:solidFill>
+                  <a:srgbClr val="FF0000"/>
+                </a:solidFill>
+              </a:rPr>
+              <a:t>With PDL</a:t>
+            </a:r>
+          </a:p>
+        </p:txBody>
+      </p:sp>
+      <p:sp>
+        <p:nvSpPr>
+          <p:cNvPr id="9" name="文本框 8">
+            <a:extLst>
+              <a:ext uri="{FF2B5EF4-FFF2-40B4-BE49-F238E27FC236}">
+                <a16:creationId xmlns:a16="http://schemas.microsoft.com/office/drawing/2014/main" id="{9645A653-62E9-37EA-EDFA-BFE7DB76F3C1}"/>
+              </a:ext>
+            </a:extLst>
+          </p:cNvPr>
+          <p:cNvSpPr txBox="1"/>
+          <p:nvPr/>
+        </p:nvSpPr>
+        <p:spPr>
+          <a:xfrm>
+            <a:off x="8652706" y="3551247"/>
+            <a:ext cx="1848583" cy="461665"/>
+          </a:xfrm>
+          <a:prstGeom prst="rect">
+            <a:avLst/>
+          </a:prstGeom>
+          <a:noFill/>
+        </p:spPr>
+        <p:txBody>
+          <a:bodyPr wrap="none" rtlCol="0">
+            <a:spAutoFit/>
+          </a:bodyPr>
+          <a:lstStyle/>
+          <a:p>
+            <a:r>
+              <a:rPr lang="en-US" sz="2400" dirty="0">
+                <a:solidFill>
+                  <a:srgbClr val="FF0000"/>
+                </a:solidFill>
+              </a:rPr>
+              <a:t>Without PDL</a:t>
+            </a:r>
+          </a:p>
+        </p:txBody>
+      </p:sp>
+    </p:spTree>
+    <p:extLst>
+      <p:ext uri="{BB962C8B-B14F-4D97-AF65-F5344CB8AC3E}">
+        <p14:creationId xmlns:p14="http://schemas.microsoft.com/office/powerpoint/2010/main" val="871743526"/>
+      </p:ext>
+    </p:extLst>
+  </p:cSld>
+  <p:clrMapOvr>
+    <a:masterClrMapping/>
+  </p:clrMapOvr>
+</p:sld>
+</file>
+
 <file path=ppt/theme/theme1.xml><?xml version="1.0" encoding="utf-8"?>
 <a:theme xmlns:a="http://schemas.openxmlformats.org/drawingml/2006/main" name="Office 主题​​">
   <a:themeElements>
